--- a/Razsoljevanje.pptx
+++ b/Razsoljevanje.pptx
@@ -108,6 +108,11 @@
       </a:defRPr>
     </a:lvl9pPr>
   </p:defaultTextStyle>
+  <p:extLst>
+    <p:ext uri="{EFAFB233-063F-42B5-8137-9DF3F51BA10A}">
+      <p15:sldGuideLst xmlns:p15="http://schemas.microsoft.com/office/powerpoint/2012/main"/>
+    </p:ext>
+  </p:extLst>
 </p:presentation>
 </file>
 
@@ -170,7 +175,7 @@
           </a:lstStyle>
           <a:p>
             <a:r>
-              <a:rPr lang="en-US" smtClean="0"/>
+              <a:rPr lang="en-US"/>
               <a:t>Click to edit Master title style</a:t>
             </a:r>
             <a:endParaRPr lang="en-US" dirty="0"/>
@@ -300,7 +305,7 @@
           </a:lstStyle>
           <a:p>
             <a:r>
-              <a:rPr lang="en-US" smtClean="0"/>
+              <a:rPr lang="en-US"/>
               <a:t>Click to edit Master subtitle style</a:t>
             </a:r>
             <a:endParaRPr lang="en-US" dirty="0"/>
@@ -429,7 +434,7 @@
           </a:lstStyle>
           <a:p>
             <a:r>
-              <a:rPr lang="en-US" smtClean="0"/>
+              <a:rPr lang="en-US"/>
               <a:t>Click to edit Master title style</a:t>
             </a:r>
             <a:endParaRPr lang="en-US" dirty="0"/>
@@ -524,7 +529,7 @@
           </a:lstStyle>
           <a:p>
             <a:r>
-              <a:rPr lang="en-US" smtClean="0"/>
+              <a:rPr lang="en-US"/>
               <a:t>Click icon to add picture</a:t>
             </a:r>
             <a:endParaRPr lang="en-US" dirty="0"/>
@@ -592,7 +597,7 @@
           <a:p>
             <a:pPr lvl="0"/>
             <a:r>
-              <a:rPr lang="en-US" smtClean="0"/>
+              <a:rPr lang="en-US"/>
               <a:t>Edit Master text styles</a:t>
             </a:r>
           </a:p>
@@ -720,7 +725,7 @@
           </a:lstStyle>
           <a:p>
             <a:r>
-              <a:rPr lang="en-US" smtClean="0"/>
+              <a:rPr lang="en-US"/>
               <a:t>Click to edit Master title style</a:t>
             </a:r>
             <a:endParaRPr lang="en-US" dirty="0"/>
@@ -851,7 +856,7 @@
           <a:p>
             <a:pPr lvl="0"/>
             <a:r>
-              <a:rPr lang="en-US" smtClean="0"/>
+              <a:rPr lang="en-US"/>
               <a:t>Edit Master text styles</a:t>
             </a:r>
           </a:p>
@@ -1213,7 +1218,7 @@
           </a:lstStyle>
           <a:p>
             <a:r>
-              <a:rPr lang="en-US" smtClean="0"/>
+              <a:rPr lang="en-US"/>
               <a:t>Click to edit Master title style</a:t>
             </a:r>
             <a:endParaRPr lang="en-US" dirty="0"/>
@@ -1268,7 +1273,7 @@
           <a:p>
             <a:pPr lvl="0"/>
             <a:r>
-              <a:rPr lang="en-US" smtClean="0"/>
+              <a:rPr lang="en-US"/>
               <a:t>Edit Master text styles</a:t>
             </a:r>
           </a:p>
@@ -1320,7 +1325,7 @@
               <a:buNone/>
             </a:pPr>
             <a:r>
-              <a:rPr lang="en-US" smtClean="0"/>
+              <a:rPr lang="en-US"/>
               <a:t>Edit Master text styles</a:t>
             </a:r>
           </a:p>
@@ -1448,7 +1453,7 @@
           </a:lstStyle>
           <a:p>
             <a:r>
-              <a:rPr lang="en-US" smtClean="0"/>
+              <a:rPr lang="en-US"/>
               <a:t>Click to edit Master title style</a:t>
             </a:r>
             <a:endParaRPr lang="en-US" dirty="0"/>
@@ -1500,7 +1505,7 @@
               <a:buNone/>
             </a:pPr>
             <a:r>
-              <a:rPr lang="en-US" smtClean="0"/>
+              <a:rPr lang="en-US"/>
               <a:t>Edit Master text styles</a:t>
             </a:r>
           </a:p>
@@ -1873,7 +1878,7 @@
           </a:lstStyle>
           <a:p>
             <a:r>
-              <a:rPr lang="en-US" smtClean="0"/>
+              <a:rPr lang="en-US"/>
               <a:t>Click to edit Master title style</a:t>
             </a:r>
             <a:endParaRPr lang="en-US" dirty="0"/>
@@ -1946,7 +1951,7 @@
               <a:buNone/>
             </a:pPr>
             <a:r>
-              <a:rPr lang="en-US" smtClean="0"/>
+              <a:rPr lang="en-US"/>
               <a:t>Edit Master text styles</a:t>
             </a:r>
           </a:p>
@@ -2076,7 +2081,7 @@
           <a:p>
             <a:pPr lvl="0"/>
             <a:r>
-              <a:rPr lang="en-US" smtClean="0"/>
+              <a:rPr lang="en-US"/>
               <a:t>Edit Master text styles</a:t>
             </a:r>
           </a:p>
@@ -2205,7 +2210,7 @@
           <a:p>
             <a:pPr marL="0" lvl="0"/>
             <a:r>
-              <a:rPr lang="en-US" smtClean="0"/>
+              <a:rPr lang="en-US"/>
               <a:t>Click to edit Master title style</a:t>
             </a:r>
             <a:endParaRPr lang="en-US" dirty="0"/>
@@ -2278,7 +2283,7 @@
               <a:buNone/>
             </a:pPr>
             <a:r>
-              <a:rPr lang="en-US" smtClean="0"/>
+              <a:rPr lang="en-US"/>
               <a:t>Edit Master text styles</a:t>
             </a:r>
           </a:p>
@@ -2408,7 +2413,7 @@
           <a:p>
             <a:pPr lvl="0"/>
             <a:r>
-              <a:rPr lang="en-US" smtClean="0"/>
+              <a:rPr lang="en-US"/>
               <a:t>Edit Master text styles</a:t>
             </a:r>
           </a:p>
@@ -2530,7 +2535,7 @@
           <a:lstStyle/>
           <a:p>
             <a:r>
-              <a:rPr lang="en-US" smtClean="0"/>
+              <a:rPr lang="en-US"/>
               <a:t>Click to edit Master title style</a:t>
             </a:r>
             <a:endParaRPr lang="en-US" dirty="0"/>
@@ -2554,35 +2559,35 @@
           <a:p>
             <a:pPr lvl="0"/>
             <a:r>
-              <a:rPr lang="en-US" smtClean="0"/>
+              <a:rPr lang="en-US"/>
               <a:t>Edit Master text styles</a:t>
             </a:r>
           </a:p>
           <a:p>
             <a:pPr lvl="1"/>
             <a:r>
-              <a:rPr lang="en-US" smtClean="0"/>
+              <a:rPr lang="en-US"/>
               <a:t>Second level</a:t>
             </a:r>
           </a:p>
           <a:p>
             <a:pPr lvl="2"/>
             <a:r>
-              <a:rPr lang="en-US" smtClean="0"/>
+              <a:rPr lang="en-US"/>
               <a:t>Third level</a:t>
             </a:r>
           </a:p>
           <a:p>
             <a:pPr lvl="3"/>
             <a:r>
-              <a:rPr lang="en-US" smtClean="0"/>
+              <a:rPr lang="en-US"/>
               <a:t>Fourth level</a:t>
             </a:r>
           </a:p>
           <a:p>
             <a:pPr lvl="4"/>
             <a:r>
-              <a:rPr lang="en-US" smtClean="0"/>
+              <a:rPr lang="en-US"/>
               <a:t>Fifth level</a:t>
             </a:r>
             <a:endParaRPr lang="en-US" dirty="0"/>
@@ -2705,7 +2710,7 @@
           <a:lstStyle/>
           <a:p>
             <a:r>
-              <a:rPr lang="en-US" smtClean="0"/>
+              <a:rPr lang="en-US"/>
               <a:t>Click to edit Master title style</a:t>
             </a:r>
             <a:endParaRPr lang="en-US" dirty="0"/>
@@ -2734,35 +2739,35 @@
           <a:p>
             <a:pPr lvl="0"/>
             <a:r>
-              <a:rPr lang="en-US" smtClean="0"/>
+              <a:rPr lang="en-US"/>
               <a:t>Edit Master text styles</a:t>
             </a:r>
           </a:p>
           <a:p>
             <a:pPr lvl="1"/>
             <a:r>
-              <a:rPr lang="en-US" smtClean="0"/>
+              <a:rPr lang="en-US"/>
               <a:t>Second level</a:t>
             </a:r>
           </a:p>
           <a:p>
             <a:pPr lvl="2"/>
             <a:r>
-              <a:rPr lang="en-US" smtClean="0"/>
+              <a:rPr lang="en-US"/>
               <a:t>Third level</a:t>
             </a:r>
           </a:p>
           <a:p>
             <a:pPr lvl="3"/>
             <a:r>
-              <a:rPr lang="en-US" smtClean="0"/>
+              <a:rPr lang="en-US"/>
               <a:t>Fourth level</a:t>
             </a:r>
           </a:p>
           <a:p>
             <a:pPr lvl="4"/>
             <a:r>
-              <a:rPr lang="en-US" smtClean="0"/>
+              <a:rPr lang="en-US"/>
               <a:t>Fifth level</a:t>
             </a:r>
             <a:endParaRPr lang="en-US" dirty="0"/>
@@ -2880,7 +2885,7 @@
           <a:lstStyle/>
           <a:p>
             <a:r>
-              <a:rPr lang="en-US" smtClean="0"/>
+              <a:rPr lang="en-US"/>
               <a:t>Click to edit Master title style</a:t>
             </a:r>
             <a:endParaRPr lang="en-US" dirty="0"/>
@@ -2904,35 +2909,35 @@
           <a:p>
             <a:pPr lvl="0"/>
             <a:r>
-              <a:rPr lang="en-US" smtClean="0"/>
+              <a:rPr lang="en-US"/>
               <a:t>Edit Master text styles</a:t>
             </a:r>
           </a:p>
           <a:p>
             <a:pPr lvl="1"/>
             <a:r>
-              <a:rPr lang="en-US" smtClean="0"/>
+              <a:rPr lang="en-US"/>
               <a:t>Second level</a:t>
             </a:r>
           </a:p>
           <a:p>
             <a:pPr lvl="2"/>
             <a:r>
-              <a:rPr lang="en-US" smtClean="0"/>
+              <a:rPr lang="en-US"/>
               <a:t>Third level</a:t>
             </a:r>
           </a:p>
           <a:p>
             <a:pPr lvl="3"/>
             <a:r>
-              <a:rPr lang="en-US" smtClean="0"/>
+              <a:rPr lang="en-US"/>
               <a:t>Fourth level</a:t>
             </a:r>
           </a:p>
           <a:p>
             <a:pPr lvl="4"/>
             <a:r>
-              <a:rPr lang="en-US" smtClean="0"/>
+              <a:rPr lang="en-US"/>
               <a:t>Fifth level</a:t>
             </a:r>
             <a:endParaRPr lang="en-US" dirty="0"/>
@@ -3059,7 +3064,7 @@
           </a:lstStyle>
           <a:p>
             <a:r>
-              <a:rPr lang="en-US" smtClean="0"/>
+              <a:rPr lang="en-US"/>
               <a:t>Click to edit Master title style</a:t>
             </a:r>
             <a:endParaRPr lang="en-US" dirty="0"/>
@@ -3190,7 +3195,7 @@
           <a:p>
             <a:pPr lvl="0"/>
             <a:r>
-              <a:rPr lang="en-US" smtClean="0"/>
+              <a:rPr lang="en-US"/>
               <a:t>Edit Master text styles</a:t>
             </a:r>
           </a:p>
@@ -3307,7 +3312,7 @@
           <a:lstStyle/>
           <a:p>
             <a:r>
-              <a:rPr lang="en-US" smtClean="0"/>
+              <a:rPr lang="en-US"/>
               <a:t>Click to edit Master title style</a:t>
             </a:r>
             <a:endParaRPr lang="en-US" dirty="0"/>
@@ -3366,35 +3371,35 @@
           <a:p>
             <a:pPr lvl="0"/>
             <a:r>
-              <a:rPr lang="en-US" smtClean="0"/>
+              <a:rPr lang="en-US"/>
               <a:t>Edit Master text styles</a:t>
             </a:r>
           </a:p>
           <a:p>
             <a:pPr lvl="1"/>
             <a:r>
-              <a:rPr lang="en-US" smtClean="0"/>
+              <a:rPr lang="en-US"/>
               <a:t>Second level</a:t>
             </a:r>
           </a:p>
           <a:p>
             <a:pPr lvl="2"/>
             <a:r>
-              <a:rPr lang="en-US" smtClean="0"/>
+              <a:rPr lang="en-US"/>
               <a:t>Third level</a:t>
             </a:r>
           </a:p>
           <a:p>
             <a:pPr lvl="3"/>
             <a:r>
-              <a:rPr lang="en-US" smtClean="0"/>
+              <a:rPr lang="en-US"/>
               <a:t>Fourth level</a:t>
             </a:r>
           </a:p>
           <a:p>
             <a:pPr lvl="4"/>
             <a:r>
-              <a:rPr lang="en-US" smtClean="0"/>
+              <a:rPr lang="en-US"/>
               <a:t>Fifth level</a:t>
             </a:r>
             <a:endParaRPr lang="en-US" dirty="0"/>
@@ -3453,35 +3458,35 @@
           <a:p>
             <a:pPr lvl="0"/>
             <a:r>
-              <a:rPr lang="en-US" smtClean="0"/>
+              <a:rPr lang="en-US"/>
               <a:t>Edit Master text styles</a:t>
             </a:r>
           </a:p>
           <a:p>
             <a:pPr lvl="1"/>
             <a:r>
-              <a:rPr lang="en-US" smtClean="0"/>
+              <a:rPr lang="en-US"/>
               <a:t>Second level</a:t>
             </a:r>
           </a:p>
           <a:p>
             <a:pPr lvl="2"/>
             <a:r>
-              <a:rPr lang="en-US" smtClean="0"/>
+              <a:rPr lang="en-US"/>
               <a:t>Third level</a:t>
             </a:r>
           </a:p>
           <a:p>
             <a:pPr lvl="3"/>
             <a:r>
-              <a:rPr lang="en-US" smtClean="0"/>
+              <a:rPr lang="en-US"/>
               <a:t>Fourth level</a:t>
             </a:r>
           </a:p>
           <a:p>
             <a:pPr lvl="4"/>
             <a:r>
-              <a:rPr lang="en-US" smtClean="0"/>
+              <a:rPr lang="en-US"/>
               <a:t>Fifth level</a:t>
             </a:r>
             <a:endParaRPr lang="en-US" dirty="0"/>
@@ -3603,7 +3608,7 @@
           </a:lstStyle>
           <a:p>
             <a:r>
-              <a:rPr lang="en-US" smtClean="0"/>
+              <a:rPr lang="en-US"/>
               <a:t>Click to edit Master title style</a:t>
             </a:r>
             <a:endParaRPr lang="en-US" dirty="0"/>
@@ -3671,7 +3676,7 @@
           <a:p>
             <a:pPr lvl="0"/>
             <a:r>
-              <a:rPr lang="en-US" smtClean="0"/>
+              <a:rPr lang="en-US"/>
               <a:t>Edit Master text styles</a:t>
             </a:r>
           </a:p>
@@ -3729,35 +3734,35 @@
           <a:p>
             <a:pPr lvl="0"/>
             <a:r>
-              <a:rPr lang="en-US" smtClean="0"/>
+              <a:rPr lang="en-US"/>
               <a:t>Edit Master text styles</a:t>
             </a:r>
           </a:p>
           <a:p>
             <a:pPr lvl="1"/>
             <a:r>
-              <a:rPr lang="en-US" smtClean="0"/>
+              <a:rPr lang="en-US"/>
               <a:t>Second level</a:t>
             </a:r>
           </a:p>
           <a:p>
             <a:pPr lvl="2"/>
             <a:r>
-              <a:rPr lang="en-US" smtClean="0"/>
+              <a:rPr lang="en-US"/>
               <a:t>Third level</a:t>
             </a:r>
           </a:p>
           <a:p>
             <a:pPr lvl="3"/>
             <a:r>
-              <a:rPr lang="en-US" smtClean="0"/>
+              <a:rPr lang="en-US"/>
               <a:t>Fourth level</a:t>
             </a:r>
           </a:p>
           <a:p>
             <a:pPr lvl="4"/>
             <a:r>
-              <a:rPr lang="en-US" smtClean="0"/>
+              <a:rPr lang="en-US"/>
               <a:t>Fifth level</a:t>
             </a:r>
             <a:endParaRPr lang="en-US" dirty="0"/>
@@ -3825,7 +3830,7 @@
           <a:p>
             <a:pPr lvl="0"/>
             <a:r>
-              <a:rPr lang="en-US" smtClean="0"/>
+              <a:rPr lang="en-US"/>
               <a:t>Edit Master text styles</a:t>
             </a:r>
           </a:p>
@@ -3883,35 +3888,35 @@
           <a:p>
             <a:pPr lvl="0"/>
             <a:r>
-              <a:rPr lang="en-US" smtClean="0"/>
+              <a:rPr lang="en-US"/>
               <a:t>Edit Master text styles</a:t>
             </a:r>
           </a:p>
           <a:p>
             <a:pPr lvl="1"/>
             <a:r>
-              <a:rPr lang="en-US" smtClean="0"/>
+              <a:rPr lang="en-US"/>
               <a:t>Second level</a:t>
             </a:r>
           </a:p>
           <a:p>
             <a:pPr lvl="2"/>
             <a:r>
-              <a:rPr lang="en-US" smtClean="0"/>
+              <a:rPr lang="en-US"/>
               <a:t>Third level</a:t>
             </a:r>
           </a:p>
           <a:p>
             <a:pPr lvl="3"/>
             <a:r>
-              <a:rPr lang="en-US" smtClean="0"/>
+              <a:rPr lang="en-US"/>
               <a:t>Fourth level</a:t>
             </a:r>
           </a:p>
           <a:p>
             <a:pPr lvl="4"/>
             <a:r>
-              <a:rPr lang="en-US" smtClean="0"/>
+              <a:rPr lang="en-US"/>
               <a:t>Fifth level</a:t>
             </a:r>
             <a:endParaRPr lang="en-US" dirty="0"/>
@@ -4029,7 +4034,7 @@
           <a:lstStyle/>
           <a:p>
             <a:r>
-              <a:rPr lang="en-US" smtClean="0"/>
+              <a:rPr lang="en-US"/>
               <a:t>Click to edit Master title style</a:t>
             </a:r>
             <a:endParaRPr lang="en-US" dirty="0"/>
@@ -4253,7 +4258,7 @@
           </a:lstStyle>
           <a:p>
             <a:r>
-              <a:rPr lang="en-US" smtClean="0"/>
+              <a:rPr lang="en-US"/>
               <a:t>Click to edit Master title style</a:t>
             </a:r>
             <a:endParaRPr lang="en-US" dirty="0"/>
@@ -4312,35 +4317,35 @@
           <a:p>
             <a:pPr lvl="0"/>
             <a:r>
-              <a:rPr lang="en-US" smtClean="0"/>
+              <a:rPr lang="en-US"/>
               <a:t>Edit Master text styles</a:t>
             </a:r>
           </a:p>
           <a:p>
             <a:pPr lvl="1"/>
             <a:r>
-              <a:rPr lang="en-US" smtClean="0"/>
+              <a:rPr lang="en-US"/>
               <a:t>Second level</a:t>
             </a:r>
           </a:p>
           <a:p>
             <a:pPr lvl="2"/>
             <a:r>
-              <a:rPr lang="en-US" smtClean="0"/>
+              <a:rPr lang="en-US"/>
               <a:t>Third level</a:t>
             </a:r>
           </a:p>
           <a:p>
             <a:pPr lvl="3"/>
             <a:r>
-              <a:rPr lang="en-US" smtClean="0"/>
+              <a:rPr lang="en-US"/>
               <a:t>Fourth level</a:t>
             </a:r>
           </a:p>
           <a:p>
             <a:pPr lvl="4"/>
             <a:r>
-              <a:rPr lang="en-US" smtClean="0"/>
+              <a:rPr lang="en-US"/>
               <a:t>Fifth level</a:t>
             </a:r>
             <a:endParaRPr lang="en-US" dirty="0"/>
@@ -4408,7 +4413,7 @@
           <a:p>
             <a:pPr lvl="0"/>
             <a:r>
-              <a:rPr lang="en-US" smtClean="0"/>
+              <a:rPr lang="en-US"/>
               <a:t>Edit Master text styles</a:t>
             </a:r>
           </a:p>
@@ -4536,7 +4541,7 @@
           </a:lstStyle>
           <a:p>
             <a:r>
-              <a:rPr lang="en-US" smtClean="0"/>
+              <a:rPr lang="en-US"/>
               <a:t>Click to edit Master title style</a:t>
             </a:r>
             <a:endParaRPr lang="en-US" dirty="0"/>
@@ -4626,7 +4631,7 @@
           </a:lstStyle>
           <a:p>
             <a:r>
-              <a:rPr lang="en-US" smtClean="0"/>
+              <a:rPr lang="en-US"/>
               <a:t>Click icon to add picture</a:t>
             </a:r>
             <a:endParaRPr lang="en-US" dirty="0"/>
@@ -4694,7 +4699,7 @@
           <a:p>
             <a:pPr lvl="0"/>
             <a:r>
-              <a:rPr lang="en-US" smtClean="0"/>
+              <a:rPr lang="en-US"/>
               <a:t>Edit Master text styles</a:t>
             </a:r>
           </a:p>
@@ -4841,7 +4846,7 @@
           <a:lstStyle/>
           <a:p>
             <a:r>
-              <a:rPr lang="en-US" smtClean="0"/>
+              <a:rPr lang="en-US"/>
               <a:t>Click to edit Master title style</a:t>
             </a:r>
             <a:endParaRPr lang="en-US" dirty="0"/>
@@ -4875,35 +4880,35 @@
           <a:p>
             <a:pPr lvl="0"/>
             <a:r>
-              <a:rPr lang="en-US" smtClean="0"/>
+              <a:rPr lang="en-US"/>
               <a:t>Edit Master text styles</a:t>
             </a:r>
           </a:p>
           <a:p>
             <a:pPr lvl="1"/>
             <a:r>
-              <a:rPr lang="en-US" smtClean="0"/>
+              <a:rPr lang="en-US"/>
               <a:t>Second level</a:t>
             </a:r>
           </a:p>
           <a:p>
             <a:pPr lvl="2"/>
             <a:r>
-              <a:rPr lang="en-US" smtClean="0"/>
+              <a:rPr lang="en-US"/>
               <a:t>Third level</a:t>
             </a:r>
           </a:p>
           <a:p>
             <a:pPr lvl="3"/>
             <a:r>
-              <a:rPr lang="en-US" smtClean="0"/>
+              <a:rPr lang="en-US"/>
               <a:t>Fourth level</a:t>
             </a:r>
           </a:p>
           <a:p>
             <a:pPr lvl="4"/>
             <a:r>
-              <a:rPr lang="en-US" smtClean="0"/>
+              <a:rPr lang="en-US"/>
               <a:t>Fifth level</a:t>
             </a:r>
             <a:endParaRPr lang="en-US" dirty="0"/>
@@ -5762,13 +5767,6 @@
   <p:clrMapOvr>
     <a:masterClrMapping/>
   </p:clrMapOvr>
-  <p:timing>
-    <p:tnLst>
-      <p:par>
-        <p:cTn id="1" dur="indefinite" restart="never" nodeType="tmRoot"/>
-      </p:par>
-    </p:tnLst>
-  </p:timing>
 </p:sld>
 </file>
 
@@ -5805,10 +5803,9 @@
           <a:lstStyle/>
           <a:p>
             <a:r>
-              <a:rPr lang="sl-SI" dirty="0" smtClean="0"/>
+              <a:rPr lang="sl-SI" dirty="0"/>
               <a:t>Naloga</a:t>
             </a:r>
-            <a:endParaRPr lang="sl-SI" dirty="0"/>
           </a:p>
         </p:txBody>
       </p:sp>
@@ -5851,13 +5848,6 @@
   <p:clrMapOvr>
     <a:masterClrMapping/>
   </p:clrMapOvr>
-  <p:timing>
-    <p:tnLst>
-      <p:par>
-        <p:cTn id="1" dur="indefinite" restart="never" nodeType="tmRoot"/>
-      </p:par>
-    </p:tnLst>
-  </p:timing>
 </p:sld>
 </file>
 
@@ -5894,10 +5884,9 @@
           <a:lstStyle/>
           <a:p>
             <a:r>
-              <a:rPr lang="sl-SI" dirty="0" smtClean="0"/>
+              <a:rPr lang="sl-SI" dirty="0"/>
               <a:t>Potek reševanja</a:t>
             </a:r>
-            <a:endParaRPr lang="sl-SI" dirty="0"/>
           </a:p>
         </p:txBody>
       </p:sp>
@@ -5940,13 +5929,6 @@
   <p:clrMapOvr>
     <a:masterClrMapping/>
   </p:clrMapOvr>
-  <p:timing>
-    <p:tnLst>
-      <p:par>
-        <p:cTn id="1" dur="indefinite" restart="never" nodeType="tmRoot"/>
-      </p:par>
-    </p:tnLst>
-  </p:timing>
 </p:sld>
 </file>
 
@@ -5983,10 +5965,9 @@
           <a:lstStyle/>
           <a:p>
             <a:r>
-              <a:rPr lang="sl-SI" dirty="0" smtClean="0"/>
+              <a:rPr lang="sl-SI" dirty="0"/>
               <a:t>Težave</a:t>
             </a:r>
-            <a:endParaRPr lang="sl-SI" dirty="0"/>
           </a:p>
         </p:txBody>
       </p:sp>
@@ -6029,13 +6010,6 @@
   <p:clrMapOvr>
     <a:masterClrMapping/>
   </p:clrMapOvr>
-  <p:timing>
-    <p:tnLst>
-      <p:par>
-        <p:cTn id="1" dur="indefinite" restart="never" nodeType="tmRoot"/>
-      </p:par>
-    </p:tnLst>
-  </p:timing>
 </p:sld>
 </file>
 
@@ -6072,32 +6046,47 @@
           <a:lstStyle/>
           <a:p>
             <a:r>
-              <a:rPr lang="sl-SI" dirty="0" smtClean="0"/>
+              <a:rPr lang="sl-SI" dirty="0"/>
               <a:t>ugotovitve</a:t>
             </a:r>
-            <a:endParaRPr lang="sl-SI" dirty="0"/>
-          </a:p>
-        </p:txBody>
-      </p:sp>
-      <p:sp>
-        <p:nvSpPr>
-          <p:cNvPr id="3" name="Content Placeholder 2"/>
-          <p:cNvSpPr>
-            <a:spLocks noGrp="1"/>
-          </p:cNvSpPr>
+          </a:p>
+        </p:txBody>
+      </p:sp>
+      <p:pic>
+        <p:nvPicPr>
+          <p:cNvPr id="5" name="Content Placeholder 4">
+            <a:extLst>
+              <a:ext uri="{FF2B5EF4-FFF2-40B4-BE49-F238E27FC236}">
+                <a16:creationId xmlns:a16="http://schemas.microsoft.com/office/drawing/2014/main" id="{81118196-F36C-42D2-AFBE-C556C8E595E6}"/>
+              </a:ext>
+            </a:extLst>
+          </p:cNvPr>
+          <p:cNvPicPr>
+            <a:picLocks noGrp="1" noChangeAspect="1"/>
+          </p:cNvPicPr>
           <p:nvPr>
             <p:ph idx="1"/>
           </p:nvPr>
-        </p:nvSpPr>
-        <p:spPr/>
-        <p:txBody>
-          <a:bodyPr/>
-          <a:lstStyle/>
-          <a:p>
-            <a:endParaRPr lang="sl-SI"/>
-          </a:p>
-        </p:txBody>
-      </p:sp>
+        </p:nvPicPr>
+        <p:blipFill>
+          <a:blip r:embed="rId2">
+            <a:extLst>
+              <a:ext uri="{28A0092B-C50C-407E-A947-70E740481C1C}">
+                <a14:useLocalDpi xmlns:a14="http://schemas.microsoft.com/office/drawing/2010/main" val="0"/>
+              </a:ext>
+            </a:extLst>
+          </a:blip>
+          <a:stretch>
+            <a:fillRect/>
+          </a:stretch>
+        </p:blipFill>
+        <p:spPr>
+          <a:xfrm>
+            <a:off x="953626" y="2657817"/>
+            <a:ext cx="10281571" cy="2078875"/>
+          </a:xfrm>
+        </p:spPr>
+      </p:pic>
     </p:spTree>
     <p:extLst>
       <p:ext uri="{BB962C8B-B14F-4D97-AF65-F5344CB8AC3E}">
@@ -6108,13 +6097,6 @@
   <p:clrMapOvr>
     <a:masterClrMapping/>
   </p:clrMapOvr>
-  <p:timing>
-    <p:tnLst>
-      <p:par>
-        <p:cTn id="1" dur="indefinite" restart="never" nodeType="tmRoot"/>
-      </p:par>
-    </p:tnLst>
-  </p:timing>
 </p:sld>
 </file>
 
